--- a/SafeResident_Presentation.pptx
+++ b/SafeResident_Presentation.pptx
@@ -113,6 +113,11 @@
       </a:defRPr>
     </a:lvl9pPr>
   </p:defaultTextStyle>
+  <p:extLst>
+    <p:ext uri="{EFAFB233-063F-42B5-8137-9DF3F51BA10A}">
+      <p15:sldGuideLst xmlns:p15="http://schemas.microsoft.com/office/powerpoint/2012/main"/>
+    </p:ext>
+  </p:extLst>
 </p:presentation>
 </file>
 
@@ -274,7 +279,7 @@
           <a:p>
             <a:fld id="{40318AA6-7685-4AB9-9FB8-EAFCE6998909}" type="datetimeFigureOut">
               <a:rPr lang="en-IN" smtClean="0"/>
-              <a:t>03-05-2024</a:t>
+              <a:t>04-05-2024</a:t>
             </a:fld>
             <a:endParaRPr lang="en-IN"/>
           </a:p>
@@ -502,7 +507,7 @@
           <a:p>
             <a:fld id="{40318AA6-7685-4AB9-9FB8-EAFCE6998909}" type="datetimeFigureOut">
               <a:rPr lang="en-IN" smtClean="0"/>
-              <a:t>03-05-2024</a:t>
+              <a:t>04-05-2024</a:t>
             </a:fld>
             <a:endParaRPr lang="en-IN"/>
           </a:p>
@@ -682,7 +687,7 @@
           <a:p>
             <a:fld id="{40318AA6-7685-4AB9-9FB8-EAFCE6998909}" type="datetimeFigureOut">
               <a:rPr lang="en-IN" smtClean="0"/>
-              <a:t>03-05-2024</a:t>
+              <a:t>04-05-2024</a:t>
             </a:fld>
             <a:endParaRPr lang="en-IN"/>
           </a:p>
@@ -852,7 +857,7 @@
           <a:p>
             <a:fld id="{40318AA6-7685-4AB9-9FB8-EAFCE6998909}" type="datetimeFigureOut">
               <a:rPr lang="en-IN" smtClean="0"/>
-              <a:t>03-05-2024</a:t>
+              <a:t>04-05-2024</a:t>
             </a:fld>
             <a:endParaRPr lang="en-IN"/>
           </a:p>
@@ -1106,7 +1111,7 @@
           <a:p>
             <a:fld id="{40318AA6-7685-4AB9-9FB8-EAFCE6998909}" type="datetimeFigureOut">
               <a:rPr lang="en-IN" smtClean="0"/>
-              <a:t>03-05-2024</a:t>
+              <a:t>04-05-2024</a:t>
             </a:fld>
             <a:endParaRPr lang="en-IN"/>
           </a:p>
@@ -1432,7 +1437,7 @@
           <a:p>
             <a:fld id="{40318AA6-7685-4AB9-9FB8-EAFCE6998909}" type="datetimeFigureOut">
               <a:rPr lang="en-IN" smtClean="0"/>
-              <a:t>03-05-2024</a:t>
+              <a:t>04-05-2024</a:t>
             </a:fld>
             <a:endParaRPr lang="en-IN"/>
           </a:p>
@@ -1883,7 +1888,7 @@
           <a:p>
             <a:fld id="{40318AA6-7685-4AB9-9FB8-EAFCE6998909}" type="datetimeFigureOut">
               <a:rPr lang="en-IN" smtClean="0"/>
-              <a:t>03-05-2024</a:t>
+              <a:t>04-05-2024</a:t>
             </a:fld>
             <a:endParaRPr lang="en-IN"/>
           </a:p>
@@ -2001,7 +2006,7 @@
           <a:p>
             <a:fld id="{40318AA6-7685-4AB9-9FB8-EAFCE6998909}" type="datetimeFigureOut">
               <a:rPr lang="en-IN" smtClean="0"/>
-              <a:t>03-05-2024</a:t>
+              <a:t>04-05-2024</a:t>
             </a:fld>
             <a:endParaRPr lang="en-IN"/>
           </a:p>
@@ -2096,7 +2101,7 @@
           <a:p>
             <a:fld id="{40318AA6-7685-4AB9-9FB8-EAFCE6998909}" type="datetimeFigureOut">
               <a:rPr lang="en-IN" smtClean="0"/>
-              <a:t>03-05-2024</a:t>
+              <a:t>04-05-2024</a:t>
             </a:fld>
             <a:endParaRPr lang="en-IN"/>
           </a:p>
@@ -2383,7 +2388,7 @@
           <a:p>
             <a:fld id="{40318AA6-7685-4AB9-9FB8-EAFCE6998909}" type="datetimeFigureOut">
               <a:rPr lang="en-IN" smtClean="0"/>
-              <a:t>03-05-2024</a:t>
+              <a:t>04-05-2024</a:t>
             </a:fld>
             <a:endParaRPr lang="en-IN"/>
           </a:p>
@@ -2705,7 +2710,7 @@
           <a:p>
             <a:fld id="{40318AA6-7685-4AB9-9FB8-EAFCE6998909}" type="datetimeFigureOut">
               <a:rPr lang="en-IN" smtClean="0"/>
-              <a:t>03-05-2024</a:t>
+              <a:t>04-05-2024</a:t>
             </a:fld>
             <a:endParaRPr lang="en-IN"/>
           </a:p>
@@ -2959,7 +2964,7 @@
           <a:p>
             <a:fld id="{40318AA6-7685-4AB9-9FB8-EAFCE6998909}" type="datetimeFigureOut">
               <a:rPr lang="en-IN" smtClean="0"/>
-              <a:t>03-05-2024</a:t>
+              <a:t>04-05-2024</a:t>
             </a:fld>
             <a:endParaRPr lang="en-IN"/>
           </a:p>
@@ -4651,6 +4656,57 @@
               </a:rPr>
               <a:t>.</a:t>
             </a:r>
+          </a:p>
+          <a:p>
+            <a:pPr marL="0" indent="0">
+              <a:spcBef>
+                <a:spcPts val="0"/>
+              </a:spcBef>
+              <a:spcAft>
+                <a:spcPts val="0"/>
+              </a:spcAft>
+              <a:buNone/>
+            </a:pPr>
+            <a:endParaRPr lang="en-US" sz="2000" dirty="0">
+              <a:solidFill>
+                <a:srgbClr val="000000"/>
+              </a:solidFill>
+              <a:latin typeface="+mj-lt"/>
+              <a:cs typeface="Calibri" panose="020F0502020204030204" pitchFamily="34" charset="0"/>
+            </a:endParaRPr>
+          </a:p>
+          <a:p>
+            <a:pPr marL="0" indent="0">
+              <a:spcBef>
+                <a:spcPts val="0"/>
+              </a:spcBef>
+              <a:spcAft>
+                <a:spcPts val="0"/>
+              </a:spcAft>
+              <a:buNone/>
+            </a:pPr>
+            <a:r>
+              <a:rPr lang="en-US" sz="2000" b="0" i="0" u="sng" strike="noStrike" dirty="0">
+                <a:solidFill>
+                  <a:srgbClr val="000000"/>
+                </a:solidFill>
+                <a:effectLst/>
+                <a:latin typeface="+mj-lt"/>
+                <a:cs typeface="Calibri" panose="020F0502020204030204" pitchFamily="34" charset="0"/>
+              </a:rPr>
+              <a:t>Permissions</a:t>
+            </a:r>
+            <a:r>
+              <a:rPr lang="en-US" sz="2000" b="0" i="0" u="none" strike="noStrike" dirty="0">
+                <a:solidFill>
+                  <a:srgbClr val="000000"/>
+                </a:solidFill>
+                <a:effectLst/>
+                <a:latin typeface="+mj-lt"/>
+                <a:cs typeface="Calibri" panose="020F0502020204030204" pitchFamily="34" charset="0"/>
+              </a:rPr>
+              <a:t>: Location access, Camera access, Storage access</a:t>
+            </a:r>
             <a:br>
               <a:rPr lang="en-US" sz="2000" b="0" i="0" u="none" strike="noStrike" dirty="0">
                 <a:solidFill>
